--- a/BitcoinMacro_Guidebook.pptx
+++ b/BitcoinMacro_Guidebook.pptx
@@ -104,6 +104,11 @@
       </a:defRPr>
     </a:lvl9pPr>
   </p:defaultTextStyle>
+  <p:extLst>
+    <p:ext uri="{EFAFB233-063F-42B5-8137-9DF3F51BA10A}">
+      <p15:sldGuideLst xmlns:p15="http://schemas.microsoft.com/office/powerpoint/2012/main"/>
+    </p:ext>
+  </p:extLst>
 </p:presentation>
 </file>
 
@@ -3335,8 +3340,8 @@
         </p:nvSpPr>
         <p:spPr>
           <a:xfrm>
-            <a:off x="581811" y="251207"/>
-            <a:ext cx="7394973" cy="6355586"/>
+            <a:off x="455976" y="184095"/>
+            <a:ext cx="7394973" cy="6524863"/>
           </a:xfrm>
           <a:prstGeom prst="rect">
             <a:avLst/>
@@ -3486,27 +3491,8 @@
             </a:pPr>
             <a:r>
               <a:rPr lang="en-US" altLang="ko-KR" sz="1100" dirty="0"/>
-              <a:t>Git clone </a:t>
-            </a:r>
-            <a:r>
-              <a:rPr lang="ko-KR" altLang="en-US" sz="1100" dirty="0"/>
-              <a:t>여러분의 깃허브 레포지토리 주소</a:t>
-            </a:r>
-            <a:endParaRPr lang="en-US" altLang="ko-KR" sz="1100" dirty="0"/>
-          </a:p>
-          <a:p>
-            <a:pPr marL="342900" indent="-342900">
-              <a:buAutoNum type="arabicPeriod"/>
-            </a:pPr>
-            <a:r>
-              <a:rPr lang="en-US" altLang="ko-KR" sz="1100" dirty="0"/>
-              <a:t>pip3 </a:t>
-            </a:r>
-            <a:r>
-              <a:rPr lang="ko-KR" altLang="en-US" sz="1100" dirty="0"/>
-              <a:t>가상 환경 만들기</a:t>
-            </a:r>
-            <a:endParaRPr lang="en-US" altLang="ko-KR" sz="1100" dirty="0"/>
+              <a:t>https://github.com/TaewanGwon/bitcoin.git</a:t>
+            </a:r>
           </a:p>
           <a:p>
             <a:pPr marL="800100" lvl="1" indent="-342900">
@@ -3515,18 +3501,16 @@
             </a:pPr>
             <a:r>
               <a:rPr lang="en-US" altLang="ko-KR" sz="1100" dirty="0"/>
-              <a:t>python3 -m venv bitcoinenv</a:t>
-            </a:r>
-          </a:p>
-          <a:p>
-            <a:pPr marL="342900" indent="-342900">
-              <a:buAutoNum type="arabicPeriod"/>
-            </a:pPr>
+              <a:t>“&lt;&gt; Code” </a:t>
+            </a:r>
             <a:r>
               <a:rPr lang="ko-KR" altLang="en-US" sz="1100" dirty="0"/>
-              <a:t>가상 환경 활성화</a:t>
-            </a:r>
-            <a:endParaRPr lang="en-US" altLang="ko-KR" sz="1100" dirty="0"/>
+              <a:t>클릭 </a:t>
+            </a:r>
+            <a:r>
+              <a:rPr lang="en-US" altLang="ko-KR" sz="1100" dirty="0"/>
+              <a:t>-&gt; “Download ZIP”</a:t>
+            </a:r>
           </a:p>
           <a:p>
             <a:pPr marL="800100" lvl="1" indent="-342900">
@@ -3535,16 +3519,25 @@
             </a:pPr>
             <a:r>
               <a:rPr lang="en-US" altLang="ko-KR" sz="1100" dirty="0"/>
-              <a:t>source bitcoinenv/bin/activate</a:t>
-            </a:r>
+              <a:t>Git clone </a:t>
+            </a:r>
+            <a:r>
+              <a:rPr lang="ko-KR" altLang="en-US" sz="1100" dirty="0"/>
+              <a:t>여러분의 깃허브 레포지토리 주소</a:t>
+            </a:r>
+            <a:endParaRPr lang="en-US" altLang="ko-KR" sz="1100" dirty="0"/>
           </a:p>
           <a:p>
             <a:pPr marL="342900" indent="-342900">
               <a:buAutoNum type="arabicPeriod"/>
             </a:pPr>
             <a:r>
+              <a:rPr lang="en-US" altLang="ko-KR" sz="1100" dirty="0"/>
+              <a:t>pip3 </a:t>
+            </a:r>
+            <a:r>
               <a:rPr lang="ko-KR" altLang="en-US" sz="1100" dirty="0"/>
-              <a:t>파일 확인 및 경로 이동</a:t>
+              <a:t>가상 환경 만들기</a:t>
             </a:r>
             <a:endParaRPr lang="en-US" altLang="ko-KR" sz="1100" dirty="0"/>
           </a:p>
@@ -3555,16 +3548,18 @@
             </a:pPr>
             <a:r>
               <a:rPr lang="en-US" altLang="ko-KR" sz="1100" dirty="0"/>
-              <a:t>ls –al(</a:t>
-            </a:r>
+              <a:t>python3 -m venv bitcoinenv</a:t>
+            </a:r>
+          </a:p>
+          <a:p>
+            <a:pPr marL="342900" indent="-342900">
+              <a:buAutoNum type="arabicPeriod"/>
+            </a:pPr>
             <a:r>
               <a:rPr lang="ko-KR" altLang="en-US" sz="1100" dirty="0"/>
-              <a:t>파일 확인</a:t>
-            </a:r>
-            <a:r>
-              <a:rPr lang="en-US" altLang="ko-KR" sz="1100" dirty="0"/>
-              <a:t>, requirements.txt)</a:t>
-            </a:r>
+              <a:t>가상 환경 활성화</a:t>
+            </a:r>
+            <a:endParaRPr lang="en-US" altLang="ko-KR" sz="1100" dirty="0"/>
           </a:p>
           <a:p>
             <a:pPr marL="800100" lvl="1" indent="-342900">
@@ -3573,39 +3568,7 @@
             </a:pPr>
             <a:r>
               <a:rPr lang="en-US" altLang="ko-KR" sz="1100" dirty="0"/>
-              <a:t>cd </a:t>
-            </a:r>
-            <a:r>
-              <a:rPr lang="ko-KR" altLang="en-US" sz="1100" dirty="0"/>
-              <a:t>폴더명</a:t>
-            </a:r>
-            <a:r>
-              <a:rPr lang="en-US" altLang="ko-KR" sz="1100" dirty="0"/>
-              <a:t>(</a:t>
-            </a:r>
-            <a:r>
-              <a:rPr lang="ko-KR" altLang="en-US" sz="1100" dirty="0"/>
-              <a:t>경로 이동</a:t>
-            </a:r>
-            <a:r>
-              <a:rPr lang="en-US" altLang="ko-KR" sz="1100" dirty="0"/>
-              <a:t>, </a:t>
-            </a:r>
-            <a:r>
-              <a:rPr lang="ko-KR" altLang="en-US" sz="1100" dirty="0"/>
-              <a:t>위 </a:t>
-            </a:r>
-            <a:r>
-              <a:rPr lang="en-US" altLang="ko-KR" sz="1100" dirty="0"/>
-              <a:t>5</a:t>
-            </a:r>
-            <a:r>
-              <a:rPr lang="ko-KR" altLang="en-US" sz="1100" dirty="0"/>
-              <a:t>번 이후 생성된 폴더로 이동</a:t>
-            </a:r>
-            <a:r>
-              <a:rPr lang="en-US" altLang="ko-KR" sz="1100" dirty="0"/>
-              <a:t>)</a:t>
+              <a:t>source bitcoinenv/bin/activate</a:t>
             </a:r>
           </a:p>
           <a:p>
@@ -3614,7 +3577,7 @@
             </a:pPr>
             <a:r>
               <a:rPr lang="ko-KR" altLang="en-US" sz="1100" dirty="0"/>
-              <a:t>서버에서 라이브러리 설치</a:t>
+              <a:t>파일 확인 및 경로 이동</a:t>
             </a:r>
             <a:endParaRPr lang="en-US" altLang="ko-KR" sz="1100" dirty="0"/>
           </a:p>
@@ -3625,40 +3588,15 @@
             </a:pPr>
             <a:r>
               <a:rPr lang="en-US" altLang="ko-KR" sz="1100" dirty="0"/>
-              <a:t>pip3 install -r requirements.txt</a:t>
-            </a:r>
-          </a:p>
-          <a:p>
-            <a:pPr marL="342900" indent="-342900">
-              <a:buAutoNum type="arabicPeriod"/>
-            </a:pPr>
-            <a:r>
-              <a:rPr lang="en-US" altLang="ko-KR" sz="1100" dirty="0"/>
-              <a:t>“.env” </a:t>
+              <a:t>ls –al(</a:t>
             </a:r>
             <a:r>
               <a:rPr lang="ko-KR" altLang="en-US" sz="1100" dirty="0"/>
-              <a:t>파일 만들고 </a:t>
-            </a:r>
-            <a:r>
-              <a:rPr lang="en-US" altLang="ko-KR" sz="1100" dirty="0"/>
-              <a:t>API KEY </a:t>
-            </a:r>
-            <a:r>
-              <a:rPr lang="ko-KR" altLang="en-US" sz="1100" dirty="0"/>
-              <a:t>넣기</a:t>
-            </a:r>
-            <a:r>
-              <a:rPr lang="en-US" altLang="ko-KR" sz="1100" dirty="0"/>
-              <a:t>(“.” </a:t>
-            </a:r>
-            <a:r>
-              <a:rPr lang="ko-KR" altLang="en-US" sz="1100" dirty="0"/>
-              <a:t>에러 아님 필수입력</a:t>
-            </a:r>
-            <a:r>
-              <a:rPr lang="en-US" altLang="ko-KR" sz="1100" dirty="0"/>
-              <a:t>)</a:t>
+              <a:t>파일 확인</a:t>
+            </a:r>
+            <a:r>
+              <a:rPr lang="en-US" altLang="ko-KR" sz="1100" dirty="0"/>
+              <a:t>, requirements.txt)</a:t>
             </a:r>
           </a:p>
           <a:p>
@@ -3668,6 +3606,101 @@
             </a:pPr>
             <a:r>
               <a:rPr lang="en-US" altLang="ko-KR" sz="1100" dirty="0"/>
+              <a:t>cd </a:t>
+            </a:r>
+            <a:r>
+              <a:rPr lang="ko-KR" altLang="en-US" sz="1100" dirty="0"/>
+              <a:t>폴더명</a:t>
+            </a:r>
+            <a:r>
+              <a:rPr lang="en-US" altLang="ko-KR" sz="1100" dirty="0"/>
+              <a:t>(</a:t>
+            </a:r>
+            <a:r>
+              <a:rPr lang="ko-KR" altLang="en-US" sz="1100" dirty="0"/>
+              <a:t>경로 이동</a:t>
+            </a:r>
+            <a:r>
+              <a:rPr lang="en-US" altLang="ko-KR" sz="1100" dirty="0"/>
+              <a:t>, </a:t>
+            </a:r>
+            <a:r>
+              <a:rPr lang="ko-KR" altLang="en-US" sz="1100" dirty="0"/>
+              <a:t>위 </a:t>
+            </a:r>
+            <a:r>
+              <a:rPr lang="en-US" altLang="ko-KR" sz="1100" dirty="0"/>
+              <a:t>5</a:t>
+            </a:r>
+            <a:r>
+              <a:rPr lang="ko-KR" altLang="en-US" sz="1100" dirty="0"/>
+              <a:t>번 이후 생성된 폴더로 이동</a:t>
+            </a:r>
+            <a:r>
+              <a:rPr lang="en-US" altLang="ko-KR" sz="1100" dirty="0"/>
+              <a:t>)</a:t>
+            </a:r>
+          </a:p>
+          <a:p>
+            <a:pPr marL="342900" indent="-342900">
+              <a:buAutoNum type="arabicPeriod"/>
+            </a:pPr>
+            <a:r>
+              <a:rPr lang="ko-KR" altLang="en-US" sz="1100" dirty="0"/>
+              <a:t>서버에서 라이브러리 설치</a:t>
+            </a:r>
+            <a:endParaRPr lang="en-US" altLang="ko-KR" sz="1100" dirty="0"/>
+          </a:p>
+          <a:p>
+            <a:pPr marL="800100" lvl="1" indent="-342900">
+              <a:buFont typeface="Arial" panose="020B0604020202020204" pitchFamily="34" charset="0"/>
+              <a:buChar char="•"/>
+            </a:pPr>
+            <a:r>
+              <a:rPr lang="en-US" altLang="ko-KR" sz="1100" dirty="0"/>
+              <a:t>pip3 install -r requirements.txt</a:t>
+            </a:r>
+          </a:p>
+          <a:p>
+            <a:pPr marL="342900" indent="-342900">
+              <a:buAutoNum type="arabicPeriod"/>
+            </a:pPr>
+            <a:r>
+              <a:rPr lang="en-US" altLang="ko-KR" sz="1100" dirty="0"/>
+              <a:t>“.env” </a:t>
+            </a:r>
+            <a:r>
+              <a:rPr lang="ko-KR" altLang="en-US" sz="1100" dirty="0"/>
+              <a:t>파일 만들고 </a:t>
+            </a:r>
+            <a:r>
+              <a:rPr lang="en-US" altLang="ko-KR" sz="1100" dirty="0"/>
+              <a:t>API KEY </a:t>
+            </a:r>
+            <a:r>
+              <a:rPr lang="ko-KR" altLang="en-US" sz="1100" dirty="0"/>
+              <a:t>넣기</a:t>
+            </a:r>
+            <a:r>
+              <a:rPr lang="en-US" altLang="ko-KR" sz="1100" dirty="0"/>
+              <a:t>(“.” </a:t>
+            </a:r>
+            <a:r>
+              <a:rPr lang="ko-KR" altLang="en-US" sz="1100" dirty="0"/>
+              <a:t>에러 아님 필수입력</a:t>
+            </a:r>
+            <a:r>
+              <a:rPr lang="en-US" altLang="ko-KR" sz="1100" dirty="0"/>
+              <a:t>)</a:t>
+            </a:r>
+          </a:p>
+          <a:p>
+            <a:pPr marL="800100" lvl="1" indent="-342900">
+              <a:buFont typeface="Arial" panose="020B0604020202020204" pitchFamily="34" charset="0"/>
+              <a:buChar char="•"/>
+            </a:pPr>
+            <a:r>
+              <a:rPr lang="en-US" altLang="ko-KR" sz="1100" dirty="0"/>
               <a:t>vim .env</a:t>
             </a:r>
           </a:p>
@@ -3998,7 +4031,7 @@
         </p:nvSpPr>
         <p:spPr>
           <a:xfrm>
-            <a:off x="9091209" y="2547052"/>
+            <a:off x="8965374" y="2479940"/>
             <a:ext cx="2867426" cy="461665"/>
           </a:xfrm>
           <a:prstGeom prst="rect">
@@ -4041,7 +4074,7 @@
         </p:blipFill>
         <p:spPr>
           <a:xfrm>
-            <a:off x="9091209" y="251207"/>
+            <a:off x="8965374" y="184095"/>
             <a:ext cx="2867425" cy="2295845"/>
           </a:xfrm>
           <a:prstGeom prst="rect">
@@ -4071,7 +4104,7 @@
         </p:blipFill>
         <p:spPr>
           <a:xfrm>
-            <a:off x="7410450" y="3132415"/>
+            <a:off x="7284615" y="3065303"/>
             <a:ext cx="4548184" cy="2607693"/>
           </a:xfrm>
           <a:prstGeom prst="rect">
@@ -4093,7 +4126,7 @@
         </p:nvSpPr>
         <p:spPr>
           <a:xfrm>
-            <a:off x="8185338" y="3617927"/>
+            <a:off x="8059503" y="3550815"/>
             <a:ext cx="816971" cy="92333"/>
           </a:xfrm>
           <a:prstGeom prst="rect">
@@ -4150,7 +4183,7 @@
         </p:nvSpPr>
         <p:spPr>
           <a:xfrm>
-            <a:off x="8204388" y="3510205"/>
+            <a:off x="8078553" y="3443093"/>
             <a:ext cx="816971" cy="92333"/>
           </a:xfrm>
           <a:prstGeom prst="rect">
@@ -4207,7 +4240,7 @@
         </p:nvSpPr>
         <p:spPr>
           <a:xfrm>
-            <a:off x="8109138" y="3727737"/>
+            <a:off x="7983303" y="3660625"/>
             <a:ext cx="816971" cy="92333"/>
           </a:xfrm>
           <a:prstGeom prst="rect">
@@ -4266,8 +4299,8 @@
         </p:nvCxnSpPr>
         <p:spPr>
           <a:xfrm>
-            <a:off x="4572000" y="2902591"/>
-            <a:ext cx="2838450" cy="699947"/>
+            <a:off x="4420998" y="3162649"/>
+            <a:ext cx="2863617" cy="372777"/>
           </a:xfrm>
           <a:prstGeom prst="straightConnector1">
             <a:avLst/>
@@ -4309,7 +4342,7 @@
         </p:nvCxnSpPr>
         <p:spPr>
           <a:xfrm>
-            <a:off x="4186106" y="524312"/>
+            <a:off x="4060271" y="457200"/>
             <a:ext cx="4905103" cy="874818"/>
           </a:xfrm>
           <a:prstGeom prst="straightConnector1">
@@ -4348,7 +4381,7 @@
         </p:nvSpPr>
         <p:spPr>
           <a:xfrm>
-            <a:off x="4102217" y="318782"/>
+            <a:off x="3976382" y="251670"/>
             <a:ext cx="83889" cy="411060"/>
           </a:xfrm>
           <a:prstGeom prst="rightBrace">
@@ -4374,7 +4407,7 @@
           <a:lstStyle/>
           <a:p>
             <a:pPr algn="ctr"/>
-            <a:endParaRPr lang="ko-KR" altLang="en-US"/>
+            <a:endParaRPr lang="ko-KR" altLang="en-US" dirty="0"/>
           </a:p>
         </p:txBody>
       </p:sp>
